--- a/sql scripts/PAWs proposal.pptx
+++ b/sql scripts/PAWs proposal.pptx
@@ -338,9 +338,9 @@
     </inkml:brush>
   </inkml:definitions>
   <inkml:trace contextRef="#ctx0" brushRef="#br0">21186 4759 2095 0,'4'24'0'0,"-4"-15"261"16,0-1-261-16,0-1 261 0,0-3-261 0,0-4 254 0,-2 8-254 0,2-8 255 16,-4 7-255-16,1 2 100 0,-2 3-100 0,-2 3 100 0,2-1-100 15,-15 8 51-15,-8 7-51 0,0-3 51 0,-1 3-51 16,-17 2-19-16,-11 0 19 0,8 2-18 0,0-1 18 15,-37 27 1-15,-29 13-1 0,24-17 2 0,7-4-2 16,0 6 15-16,0 3-15 0,-1-2 16 0,-8-6-16 16,9 11-119-16,0 1 119 0,43-37-118 0,27-22 118 0,-20 19-360 15,-1 7 360-15,-10 5-360 0,-7 7 360 0,-46 38-1701 16</inkml:trace>
-  <inkml:trace contextRef="#ctx0" brushRef="#br0" timeOffset="351.92">19236 6196 1927 0,'0'0'0'0,"9"-19"0"16,7-11 0-16,-16 30 271 0,0 0-271 0,-5 12 271 15,-13 25-271-15,18-37 187 0,0 0-187 0,-19 36 187 16,-4 8-187-16,23-44 107 0,0 0-107 0,-26 52 107 16,-4 6-107-16,30-58 55 0,0 0-55 0,-29 81 55 15,-5 18-55-15,34-99 12 0,0 0-12 0,-22 83 13 16,4-4-13-16,18-79 22 0,0 0-22 0,-9 51 23 15,6-18-23-15,3-33-26 0,0 0 26 0,-2 27-25 0,2-8 25 16,0-19-122-16,0 0 122 0,0 12-121 0,2-3 121 16,-2-9-416-16,0 0 416 0,0 0-415 0,2-12 415 15,-1 0-1421-15</inkml:trace>
+  <inkml:trace contextRef="#ctx0" brushRef="#br0" timeOffset="351.919">19236 6196 1927 0,'0'0'0'0,"9"-19"0"16,7-11 0-16,-16 30 271 0,0 0-271 0,-5 12 271 15,-13 25-271-15,18-37 187 0,0 0-187 0,-19 36 187 16,-4 8-187-16,23-44 107 0,0 0-107 0,-26 52 107 16,-4 6-107-16,30-58 55 0,0 0-55 0,-29 81 55 15,-5 18-55-15,34-99 12 0,0 0-12 0,-22 83 13 16,4-4-13-16,18-79 22 0,0 0-22 0,-9 51 23 15,6-18-23-15,3-33-26 0,0 0 26 0,-2 27-25 0,2-8 25 16,0-19-122-16,0 0 122 0,0 12-121 0,2-3 121 16,-2-9-416-16,0 0 416 0,0 0-415 0,2-12 415 15,-1 0-1421-15</inkml:trace>
   <inkml:trace contextRef="#ctx0" brushRef="#br0" timeOffset="1183.075">19142 6482 886 0,'0'0'0'0,"-3"-12"0"0,-4-3 0 0,7 15 360 15,0 0-360-15,-7-12 361 0,-2-2-361 0,9 14 200 0,0 0-200 16,-14-14 201-16,-5 0-201 0,19 14 136 0,0 0-136 16,-18-13 137-16,-1-1-137 0,19 14 48 0,0 0-48 15,-12-19 48-15,5-1-48 0,7 20 12 0,0 0-12 16,7-24 13-16,12-4-13 0,-19 28 1 16,0 0-1-16,33-31 2 0,14 2-2 0,-47 29 79 0,0 0-79 15,56-22 79-15,9 8-79 0,-65 14 82 0,0 0-82 0,63-2 82 16,0 13-82-16,-63-11 41 0,0 0-41 0,54 17 42 15,-5 10-42-15,-49-27 46 0,0 0-46 0,35 31 47 16,-13 5-47-16,-22-36 28 0,0 0-28 0,6 43 28 16,-15 5-28-16,9-48 3 0,0 0-3 0,-28 64 4 15,-19 8-4-15,47-72 9 0,0 0-9 0,-40 63 9 16,-4-11-9-16,44-52 3 0,0 0-3 0,-26 34 4 16,12-17-4-16,14-17-20 0,0 0 20 0,-9 16-20 15,6-4 20-15,3-12 0 0,0 0 0 0,15 3 0 16,13-3 0-16,-28 0-1 0,0 0 1 0,35 0 0 0,11-3 0 15,-8-1-3-15,-3 4 3 0,0 0-3 0,-4 0 3 16,1 0 3-16,-4 7-3 0,-13-7 3 0,-8 2-3 16,0 1 32-16,-3 1-32 0,-4-4 32 0,0 0-32 0,0 0 51 15,0 0-51-15,-18 12 52 0,-9 12-52 16,27-24-2-16,0 0 2 0,-35 20-2 0,-9 6 2 0,4-4 12 16,-2 1-12-16,16-11 12 0,8-7-12 0,1 2 0 15,-1-2 0-15,-13 2 0 0,-9-1 0 0,5 3-34 16,-4-6 34-16,13 1-33 0,3-4 33 0,4 0-41 15,2-4 41-15,6 1-41 0,4 0 41 0,7 3-69 16,0 0 69-16,2-12-68 0,3-7 68 0,11 2-87 0,6-2 87 16,5-2-86-16,2 1 86 0,3-3-204 0,1-1 204 15,4-3-204-15,5-2 204 0,-2-6-181 0,4-1 181 16,1 4-181-16,2 1 181 0,-1 1-75 0,1 3 75 0,-2 3-74 16,-6 5 74-16,-3-1-5 0,-4 4 5 0,-6 4-5 15,-5 0 5-15,-4 0 153 0,-4 3-153 0,-5 6 154 16,-4 3-154-16,-4 0 172 0,0 0-172 0,0 0 173 15,0 0-173-15,0 0 133 0,0 0-133 0,-18 12 133 16,-11 12-133-16,-1 0 64 0,-3 0-64 0,12-8 65 16,9-4-65-16,-2 0 52 0,3-4-52 0,-6 20 53 15,-3 4-53-15,12-1 6 0,-3 2-6 0,8-8 6 16,4-4-6-16,8-5 18 0,7-8-18 0,3 1 19 16,6-2-19-16,3-7 8 0,5-7-8 0,0 2 8 15,2-2-8-15,0-2 0 0,5 1 0 0,-2-4 0 16,-1-1 0-16,0-2 3 0,-2 0-3 0,-4-3 3 0,-3 5-3 15,-3 1 29-15,-4-4-29 0,-4 4 29 0,-5 0-29 16,-5 0 35-16,-3 4-35 0,-4-4 35 0,-4 3-35 16,-4-3-2-16,-6 0 2 0,0 5-1 0,0-1 1 15,-11 1-1-15,-5 2 1 0,6 1 0 0,0 4 0 0,-4-3-6 16,-4 1 6-16,6 2-6 0,0 0 6 0,-1 0-102 16,1 2 102-16,9 1-101 0,5-3 101 0,-4 0-256 15,-5-3 256-15,7 1-256 0,3 0 256 0,1 1-451 16,1-3 451-16,0 1-450 0,6-1 450 0,-7-1-929 15</inkml:trace>
-  <inkml:trace contextRef="#ctx0" brushRef="#br0" timeOffset="1216.373">19850 6400 191 0,'0'0'0'0,"17"-2"0"0,6-1 0 0,19-6-84 0</inkml:trace>
+  <inkml:trace contextRef="#ctx0" brushRef="#br0" timeOffset="1216.372">19850 6400 191 0,'0'0'0'0,"17"-2"0"0,6-1 0 0,19-6-84 0</inkml:trace>
   <inkml:trace contextRef="#ctx0" brushRef="#br0" timeOffset="1521.561">20045 6362 841 0,'0'0'0'15,"18"-7"0"-15,10 2 0 0,-7-2 300 0,-2 0-300 16,-2 6 300-16,-1 1-300 0,-7 0 241 0,-4 0-241 0,-5 0 241 16,0 0-241-16,0 0 200 0,-9 1-200 0,9-1 201 15,0 0-201-15,0 0 143 0,0 0-143 0,-12 14 144 16,-9 3-144-16,4 2-5 0,-1 2 5 15,6-6-4-15,2-3 4 0,4 0 0 0,6 0 0 16,9 4 0-16,5-4 0 0,3 0 13 0,4-6-13 0,2 3 14 16,3 0-14-16,2-6-2 0,0-1 2 15,2-1-2-15,1 1 2 0,1-2 38 0,-1-2-38 0,-1 1 38 16,-2-1-38-16,-2 2 0 0,-1-3 0 0,-1 3 0 16,1-6 0-16,-4 3 16 0,-2-4-16 0,-7 4 17 15,-3 1-17-15,-9 2 68 0,5-10-68 0,-5 10 69 16,-2-9-69-16,-5 1 0 0,-5 1 0 0,3 2 0 15,2 1 0-15,-3-3 7 0,-2 2-7 0,3-2 7 16,0 6-7-16,-1-8 4 0,-3 2-4 0,5 4 5 0,-1-3-5 16,0 3-1-16,-1 0 1 0,3-1 0 0,0 2 0 15,0 2-89-15,-2 0 89 0,9 0-88 0,-11 2 88 16,11-2-232-16,-10 4 232 0,10-4-232 0,0 0 232 16,0 0-417-16,-7 6 417 0,7-6-417 0,0 0 417 0,0 0-900 15</inkml:trace>
   <inkml:trace contextRef="#ctx0" brushRef="#br0" timeOffset="1823.212">20853 6041 1670 0,'0'0'0'0,"0"0"0"15,0 0 0-15,0 0 344 0,0 0-344 0,0 0 344 16,0 0-344-16,0 0 178 0,0 0-178 0,0 0 179 16,0 0-179-16,0 7 110 0,-2 7-110 0,-2 17 110 15,-1 10-110-15,-2 0 44 0,-2 4-44 0,2-6 44 16,2-3-44-16,-4 0-5 0,1 0 5 0,-1 0-5 16,2-1 5-16,0 4 3 0,0-3-3 0,2 5 3 15,1 2-3-15,4-10-20 0,-7 1 20 0,7-6-20 16,2-8 20-16,-4-1-96 0,0-4 96 0,6-3-95 15,1-3 95-15,4 0-509 0,0-6 509 0,-1-3-509 16,3-3 509-16,10-4-1141 0</inkml:trace>
   <inkml:trace contextRef="#ctx0" brushRef="#br0" timeOffset="2124.25">21412 6326 1580 0,'0'0'0'0,"0"0"0"0,-4-10 0 0,-1 5 267 15,0-6-267-15,-1 6 268 0,1-2-268 0,-4 2 174 0,-1-2-174 16,1 4 175-16,2 1-175 0,-9 2 56 0,-3-3-56 16,-2 6 56-16,-8 0-56 0,-6 3-18 0,-6 0 18 15,22-4-18-15,14 2 18 0,-11-1 6 0,-1 1-6 16,-13 1 7-16,-10 5-7 0,8-1 0 0,5-1 0 16,9-1 0-16,8 2 0 0,6-4-1 0,8 2 1 15,10-1 0-15,5 3 0 0,0 0-2 0,0-1 2 0,6 2-2 16,1 2 2-16,2 4 2 0,2 1-2 15,-1-1 2-15,3-1-2 0,-4-1 47 0,-4 5-47 16,2-2 48-16,-3 5-48 0,0-6-5 0,-2-1 5 16,-4 6-4-16,-1 3 4 0,1-4 16 0,-1-1-16 15,-7-3 17-15,-4-8-17 0,2-4-179 0,2-3 179 0,-9-1-178 16,0 0 178-16,0 0-1631 0</inkml:trace>
@@ -14363,30 +14363,32 @@
       </p:sp>
       <p:pic>
         <p:nvPicPr>
-          <p:cNvPr id="181" name="Google Shape;181;p23"/>
-          <p:cNvPicPr preferRelativeResize="0"/>
+          <p:cNvPr id="3" name="Picture 2" descr="A close up of a map&#10;&#10;Description automatically generated">
+            <a:extLst>
+              <a:ext uri="{FF2B5EF4-FFF2-40B4-BE49-F238E27FC236}">
+                <a16:creationId xmlns:a16="http://schemas.microsoft.com/office/drawing/2014/main" id="{4C396927-165A-48D2-9837-19C5A39B4486}"/>
+              </a:ext>
+            </a:extLst>
+          </p:cNvPr>
+          <p:cNvPicPr>
+            <a:picLocks noChangeAspect="1"/>
+          </p:cNvPicPr>
           <p:nvPr/>
         </p:nvPicPr>
         <p:blipFill>
-          <a:blip r:embed="rId3">
-            <a:alphaModFix/>
-          </a:blip>
+          <a:blip r:embed="rId3"/>
           <a:stretch>
             <a:fillRect/>
           </a:stretch>
         </p:blipFill>
         <p:spPr>
           <a:xfrm>
-            <a:off x="274725" y="760836"/>
-            <a:ext cx="7617751" cy="5336326"/>
+            <a:off x="410135" y="1048871"/>
+            <a:ext cx="8080023" cy="5103158"/>
           </a:xfrm>
           <a:prstGeom prst="rect">
             <a:avLst/>
           </a:prstGeom>
-          <a:noFill/>
-          <a:ln>
-            <a:noFill/>
-          </a:ln>
         </p:spPr>
       </p:pic>
     </p:spTree>
@@ -15317,8 +15319,8 @@
           </a:ln>
         </p:spPr>
       </p:pic>
-      <mc:AlternateContent xmlns:mc="http://schemas.openxmlformats.org/markup-compatibility/2006">
-        <mc:Choice xmlns:p14="http://schemas.microsoft.com/office/powerpoint/2010/main" Requires="p14">
+      <mc:AlternateContent xmlns:mc="http://schemas.openxmlformats.org/markup-compatibility/2006" xmlns:p14="http://schemas.microsoft.com/office/powerpoint/2010/main">
+        <mc:Choice Requires="p14">
           <p:contentPart p14:bwMode="auto" r:id="rId4">
             <p14:nvContentPartPr>
               <p14:cNvPr id="2" name="Ink 1">
@@ -15337,7 +15339,7 @@
             </p14:xfrm>
           </p:contentPart>
         </mc:Choice>
-        <mc:Fallback>
+        <mc:Fallback xmlns="">
           <p:pic>
             <p:nvPicPr>
               <p:cNvPr id="2" name="Ink 1">
@@ -15691,8 +15693,8 @@
           </a:ln>
         </p:spPr>
       </p:pic>
-      <mc:AlternateContent xmlns:mc="http://schemas.openxmlformats.org/markup-compatibility/2006">
-        <mc:Choice xmlns:p14="http://schemas.microsoft.com/office/powerpoint/2010/main" Requires="p14">
+      <mc:AlternateContent xmlns:mc="http://schemas.openxmlformats.org/markup-compatibility/2006" xmlns:p14="http://schemas.microsoft.com/office/powerpoint/2010/main">
+        <mc:Choice Requires="p14">
           <p:contentPart p14:bwMode="auto" r:id="rId4">
             <p14:nvContentPartPr>
               <p14:cNvPr id="2" name="Ink 1">
@@ -15711,7 +15713,7 @@
             </p14:xfrm>
           </p:contentPart>
         </mc:Choice>
-        <mc:Fallback>
+        <mc:Fallback xmlns="">
           <p:pic>
             <p:nvPicPr>
               <p:cNvPr id="2" name="Ink 1">
